--- a/lecture-materials/0_architect_related/message_vs_event_driven/message_vs_driver_driven_architecture.pptx
+++ b/lecture-materials/0_architect_related/message_vs_event_driven/message_vs_driver_driven_architecture.pptx
@@ -1130,15 +1130,15 @@
         <a:p>
           <a:r>
             <a:rPr lang="en-GB" dirty="0"/>
-            <a:t>﻿﻿It should be used when it makes sense - </a:t>
+            <a:t>﻿﻿It should be used when it makes sense – </a:t>
           </a:r>
           <a:r>
-            <a:rPr lang="en-GB" dirty="0" err="1"/>
-            <a:t>asyncrhounous</a:t>
+            <a:rPr lang="en-GB" b="0" i="0" dirty="0"/>
+            <a:t>asynchronous </a:t>
           </a:r>
           <a:r>
             <a:rPr lang="en-GB" dirty="0"/>
-            <a:t> processing</a:t>
+            <a:t>processing</a:t>
           </a:r>
           <a:endParaRPr lang="en-US" dirty="0"/>
         </a:p>
@@ -1806,15 +1806,15 @@
           </a:pPr>
           <a:r>
             <a:rPr lang="en-GB" sz="1900" kern="1200" dirty="0"/>
-            <a:t>﻿﻿It should be used when it makes sense - </a:t>
+            <a:t>﻿﻿It should be used when it makes sense – </a:t>
           </a:r>
           <a:r>
-            <a:rPr lang="en-GB" sz="1900" kern="1200" dirty="0" err="1"/>
-            <a:t>asyncrhounous</a:t>
+            <a:rPr lang="en-GB" sz="1900" b="0" i="0" kern="1200" dirty="0"/>
+            <a:t>asynchronous </a:t>
           </a:r>
           <a:r>
             <a:rPr lang="en-GB" sz="1900" kern="1200" dirty="0"/>
-            <a:t> processing</a:t>
+            <a:t>processing</a:t>
           </a:r>
           <a:endParaRPr lang="en-US" sz="1900" kern="1200" dirty="0"/>
         </a:p>
@@ -3158,7 +3158,7 @@
           <a:p>
             <a:fld id="{8EE7D5A1-8B7E-DD48-9971-A42DA8F81F7B}" type="datetimeFigureOut">
               <a:rPr lang="en-CH" smtClean="0"/>
-              <a:t>23.11.2023</a:t>
+              <a:t>08.01.2024</a:t>
             </a:fld>
             <a:endParaRPr lang="en-CH"/>
           </a:p>
@@ -3358,7 +3358,7 @@
           <a:p>
             <a:fld id="{8EE7D5A1-8B7E-DD48-9971-A42DA8F81F7B}" type="datetimeFigureOut">
               <a:rPr lang="en-CH" smtClean="0"/>
-              <a:t>23.11.2023</a:t>
+              <a:t>08.01.2024</a:t>
             </a:fld>
             <a:endParaRPr lang="en-CH"/>
           </a:p>
@@ -3568,7 +3568,7 @@
           <a:p>
             <a:fld id="{8EE7D5A1-8B7E-DD48-9971-A42DA8F81F7B}" type="datetimeFigureOut">
               <a:rPr lang="en-CH" smtClean="0"/>
-              <a:t>23.11.2023</a:t>
+              <a:t>08.01.2024</a:t>
             </a:fld>
             <a:endParaRPr lang="en-CH"/>
           </a:p>
@@ -3768,7 +3768,7 @@
           <a:p>
             <a:fld id="{8EE7D5A1-8B7E-DD48-9971-A42DA8F81F7B}" type="datetimeFigureOut">
               <a:rPr lang="en-CH" smtClean="0"/>
-              <a:t>23.11.2023</a:t>
+              <a:t>08.01.2024</a:t>
             </a:fld>
             <a:endParaRPr lang="en-CH"/>
           </a:p>
@@ -4044,7 +4044,7 @@
           <a:p>
             <a:fld id="{8EE7D5A1-8B7E-DD48-9971-A42DA8F81F7B}" type="datetimeFigureOut">
               <a:rPr lang="en-CH" smtClean="0"/>
-              <a:t>23.11.2023</a:t>
+              <a:t>08.01.2024</a:t>
             </a:fld>
             <a:endParaRPr lang="en-CH"/>
           </a:p>
@@ -4312,7 +4312,7 @@
           <a:p>
             <a:fld id="{8EE7D5A1-8B7E-DD48-9971-A42DA8F81F7B}" type="datetimeFigureOut">
               <a:rPr lang="en-CH" smtClean="0"/>
-              <a:t>23.11.2023</a:t>
+              <a:t>08.01.2024</a:t>
             </a:fld>
             <a:endParaRPr lang="en-CH"/>
           </a:p>
@@ -4727,7 +4727,7 @@
           <a:p>
             <a:fld id="{8EE7D5A1-8B7E-DD48-9971-A42DA8F81F7B}" type="datetimeFigureOut">
               <a:rPr lang="en-CH" smtClean="0"/>
-              <a:t>23.11.2023</a:t>
+              <a:t>08.01.2024</a:t>
             </a:fld>
             <a:endParaRPr lang="en-CH"/>
           </a:p>
@@ -4869,7 +4869,7 @@
           <a:p>
             <a:fld id="{8EE7D5A1-8B7E-DD48-9971-A42DA8F81F7B}" type="datetimeFigureOut">
               <a:rPr lang="en-CH" smtClean="0"/>
-              <a:t>23.11.2023</a:t>
+              <a:t>08.01.2024</a:t>
             </a:fld>
             <a:endParaRPr lang="en-CH"/>
           </a:p>
@@ -4982,7 +4982,7 @@
           <a:p>
             <a:fld id="{8EE7D5A1-8B7E-DD48-9971-A42DA8F81F7B}" type="datetimeFigureOut">
               <a:rPr lang="en-CH" smtClean="0"/>
-              <a:t>23.11.2023</a:t>
+              <a:t>08.01.2024</a:t>
             </a:fld>
             <a:endParaRPr lang="en-CH"/>
           </a:p>
@@ -5295,7 +5295,7 @@
           <a:p>
             <a:fld id="{8EE7D5A1-8B7E-DD48-9971-A42DA8F81F7B}" type="datetimeFigureOut">
               <a:rPr lang="en-CH" smtClean="0"/>
-              <a:t>23.11.2023</a:t>
+              <a:t>08.01.2024</a:t>
             </a:fld>
             <a:endParaRPr lang="en-CH"/>
           </a:p>
@@ -5584,7 +5584,7 @@
           <a:p>
             <a:fld id="{8EE7D5A1-8B7E-DD48-9971-A42DA8F81F7B}" type="datetimeFigureOut">
               <a:rPr lang="en-CH" smtClean="0"/>
-              <a:t>23.11.2023</a:t>
+              <a:t>08.01.2024</a:t>
             </a:fld>
             <a:endParaRPr lang="en-CH"/>
           </a:p>
@@ -5827,7 +5827,7 @@
           <a:p>
             <a:fld id="{8EE7D5A1-8B7E-DD48-9971-A42DA8F81F7B}" type="datetimeFigureOut">
               <a:rPr lang="en-CH" smtClean="0"/>
-              <a:t>23.11.2023</a:t>
+              <a:t>08.01.2024</a:t>
             </a:fld>
             <a:endParaRPr lang="en-CH"/>
           </a:p>
@@ -10235,7 +10235,7 @@
           <a:lstStyle/>
           <a:p>
             <a:r>
-              <a:rPr lang="en-US" sz="6600" kern="1200">
+              <a:rPr lang="en-US" sz="4800" kern="1200" dirty="0">
                 <a:solidFill>
                   <a:schemeClr val="tx1"/>
                 </a:solidFill>
@@ -10765,9 +10765,19 @@
             <a:r>
               <a:rPr lang="en-GB" sz="1200" b="1" i="0" dirty="0">
                 <a:effectLst/>
+                <a:highlight>
+                  <a:srgbClr val="00FF00"/>
+                </a:highlight>
                 <a:latin typeface="Söhne"/>
               </a:rPr>
-              <a:t>Message Oriented Middleware (MOM)</a:t>
+              <a:t>Message Oriented Middleware </a:t>
+            </a:r>
+            <a:r>
+              <a:rPr lang="en-GB" sz="1200" b="1" i="0" dirty="0">
+                <a:effectLst/>
+                <a:latin typeface="Söhne"/>
+              </a:rPr>
+              <a:t>(MOM)</a:t>
             </a:r>
             <a:r>
               <a:rPr lang="en-GB" sz="1200" b="0" i="0" dirty="0">
@@ -10845,6 +10855,9 @@
             <a:r>
               <a:rPr lang="en-GB" sz="1200" b="1" i="0" dirty="0">
                 <a:effectLst/>
+                <a:highlight>
+                  <a:srgbClr val="00FF00"/>
+                </a:highlight>
                 <a:latin typeface="Söhne"/>
               </a:rPr>
               <a:t>Message Broker</a:t>
@@ -10922,6 +10935,9 @@
             <a:r>
               <a:rPr lang="en-GB" sz="1200" b="1" i="0" dirty="0">
                 <a:effectLst/>
+                <a:highlight>
+                  <a:srgbClr val="00FF00"/>
+                </a:highlight>
                 <a:latin typeface="Söhne"/>
               </a:rPr>
               <a:t>RabbitMQ, Apache Kafka, and ActiveMQ</a:t>
@@ -11301,6 +11317,9 @@
             <a:r>
               <a:rPr lang="en-GB" sz="1900" b="1" i="0" dirty="0">
                 <a:effectLst/>
+                <a:highlight>
+                  <a:srgbClr val="FFFF00"/>
+                </a:highlight>
                 <a:latin typeface="inherit"/>
               </a:rPr>
               <a:t>Point-to-point messaging</a:t>
@@ -11348,6 +11367,9 @@
             <a:r>
               <a:rPr lang="en-GB" sz="1900" b="1" i="0" dirty="0">
                 <a:effectLst/>
+                <a:highlight>
+                  <a:srgbClr val="FFFF00"/>
+                </a:highlight>
                 <a:latin typeface="inherit"/>
               </a:rPr>
               <a:t>Publish/subscribe messaging</a:t>
@@ -13749,7 +13771,7 @@
             <p:ph idx="1"/>
             <p:extLst>
               <p:ext uri="{D42A27DB-BD31-4B8C-83A1-F6EECF244321}">
-                <p14:modId xmlns:p14="http://schemas.microsoft.com/office/powerpoint/2010/main" val="3983868819"/>
+                <p14:modId xmlns:p14="http://schemas.microsoft.com/office/powerpoint/2010/main" val="2965505540"/>
               </p:ext>
             </p:extLst>
           </p:nvPr>
